--- a/Защита на экзамен.pptx
+++ b/Защита на экзамен.pptx
@@ -126,6 +126,11 @@
       </a:defRPr>
     </a:lvl9pPr>
   </p:defaultTextStyle>
+  <p:extLst>
+    <p:ext uri="{EFAFB233-063F-42B5-8137-9DF3F51BA10A}">
+      <p15:sldGuideLst xmlns:p15="http://schemas.microsoft.com/office/powerpoint/2012/main"/>
+    </p:ext>
+  </p:extLst>
 </p:presentation>
 </file>
 
@@ -276,7 +281,7 @@
           <a:p>
             <a:fld id="{453F2291-7304-494B-8F64-A4FA143CB577}" type="datetimeFigureOut">
               <a:rPr lang="ru-RU" smtClean="0"/>
-              <a:t>10.05.2025</a:t>
+              <a:t>11.05.2025</a:t>
             </a:fld>
             <a:endParaRPr lang="ru-RU"/>
           </a:p>
@@ -474,7 +479,7 @@
           <a:p>
             <a:fld id="{453F2291-7304-494B-8F64-A4FA143CB577}" type="datetimeFigureOut">
               <a:rPr lang="ru-RU" smtClean="0"/>
-              <a:t>10.05.2025</a:t>
+              <a:t>11.05.2025</a:t>
             </a:fld>
             <a:endParaRPr lang="ru-RU"/>
           </a:p>
@@ -682,7 +687,7 @@
           <a:p>
             <a:fld id="{453F2291-7304-494B-8F64-A4FA143CB577}" type="datetimeFigureOut">
               <a:rPr lang="ru-RU" smtClean="0"/>
-              <a:t>10.05.2025</a:t>
+              <a:t>11.05.2025</a:t>
             </a:fld>
             <a:endParaRPr lang="ru-RU"/>
           </a:p>
@@ -880,7 +885,7 @@
           <a:p>
             <a:fld id="{453F2291-7304-494B-8F64-A4FA143CB577}" type="datetimeFigureOut">
               <a:rPr lang="ru-RU" smtClean="0"/>
-              <a:t>10.05.2025</a:t>
+              <a:t>11.05.2025</a:t>
             </a:fld>
             <a:endParaRPr lang="ru-RU"/>
           </a:p>
@@ -1155,7 +1160,7 @@
           <a:p>
             <a:fld id="{453F2291-7304-494B-8F64-A4FA143CB577}" type="datetimeFigureOut">
               <a:rPr lang="ru-RU" smtClean="0"/>
-              <a:t>10.05.2025</a:t>
+              <a:t>11.05.2025</a:t>
             </a:fld>
             <a:endParaRPr lang="ru-RU"/>
           </a:p>
@@ -1420,7 +1425,7 @@
           <a:p>
             <a:fld id="{453F2291-7304-494B-8F64-A4FA143CB577}" type="datetimeFigureOut">
               <a:rPr lang="ru-RU" smtClean="0"/>
-              <a:t>10.05.2025</a:t>
+              <a:t>11.05.2025</a:t>
             </a:fld>
             <a:endParaRPr lang="ru-RU"/>
           </a:p>
@@ -1832,7 +1837,7 @@
           <a:p>
             <a:fld id="{453F2291-7304-494B-8F64-A4FA143CB577}" type="datetimeFigureOut">
               <a:rPr lang="ru-RU" smtClean="0"/>
-              <a:t>10.05.2025</a:t>
+              <a:t>11.05.2025</a:t>
             </a:fld>
             <a:endParaRPr lang="ru-RU"/>
           </a:p>
@@ -1973,7 +1978,7 @@
           <a:p>
             <a:fld id="{453F2291-7304-494B-8F64-A4FA143CB577}" type="datetimeFigureOut">
               <a:rPr lang="ru-RU" smtClean="0"/>
-              <a:t>10.05.2025</a:t>
+              <a:t>11.05.2025</a:t>
             </a:fld>
             <a:endParaRPr lang="ru-RU"/>
           </a:p>
@@ -2086,7 +2091,7 @@
           <a:p>
             <a:fld id="{453F2291-7304-494B-8F64-A4FA143CB577}" type="datetimeFigureOut">
               <a:rPr lang="ru-RU" smtClean="0"/>
-              <a:t>10.05.2025</a:t>
+              <a:t>11.05.2025</a:t>
             </a:fld>
             <a:endParaRPr lang="ru-RU"/>
           </a:p>
@@ -2397,7 +2402,7 @@
           <a:p>
             <a:fld id="{453F2291-7304-494B-8F64-A4FA143CB577}" type="datetimeFigureOut">
               <a:rPr lang="ru-RU" smtClean="0"/>
-              <a:t>10.05.2025</a:t>
+              <a:t>11.05.2025</a:t>
             </a:fld>
             <a:endParaRPr lang="ru-RU"/>
           </a:p>
@@ -2685,7 +2690,7 @@
           <a:p>
             <a:fld id="{453F2291-7304-494B-8F64-A4FA143CB577}" type="datetimeFigureOut">
               <a:rPr lang="ru-RU" smtClean="0"/>
-              <a:t>10.05.2025</a:t>
+              <a:t>11.05.2025</a:t>
             </a:fld>
             <a:endParaRPr lang="ru-RU"/>
           </a:p>
@@ -2926,7 +2931,7 @@
           <a:p>
             <a:fld id="{453F2291-7304-494B-8F64-A4FA143CB577}" type="datetimeFigureOut">
               <a:rPr lang="ru-RU" smtClean="0"/>
-              <a:t>10.05.2025</a:t>
+              <a:t>11.05.2025</a:t>
             </a:fld>
             <a:endParaRPr lang="ru-RU"/>
           </a:p>
@@ -4238,8 +4243,8 @@
         </p:nvSpPr>
         <p:spPr>
           <a:xfrm>
-            <a:off x="838199" y="1469009"/>
-            <a:ext cx="10515600" cy="2042287"/>
+            <a:off x="481583" y="1606804"/>
+            <a:ext cx="4977385" cy="4886071"/>
           </a:xfrm>
         </p:spPr>
         <p:txBody>
@@ -4441,8 +4446,8 @@
         </p:blipFill>
         <p:spPr>
           <a:xfrm>
-            <a:off x="3848235" y="3602736"/>
-            <a:ext cx="4495529" cy="3093422"/>
+            <a:off x="5458968" y="1186953"/>
+            <a:ext cx="6389168" cy="5182769"/>
           </a:xfrm>
           <a:prstGeom prst="rect">
             <a:avLst/>
@@ -4535,13 +4540,13 @@
         </p:nvSpPr>
         <p:spPr>
           <a:xfrm>
-            <a:off x="218726" y="1716612"/>
-            <a:ext cx="5953474" cy="4446444"/>
+            <a:off x="286512" y="1578816"/>
+            <a:ext cx="4993354" cy="4446444"/>
           </a:xfrm>
         </p:spPr>
         <p:txBody>
           <a:bodyPr>
-            <a:normAutofit/>
+            <a:normAutofit fontScale="92500" lnSpcReduction="10000"/>
           </a:bodyPr>
           <a:lstStyle/>
           <a:p>
@@ -4724,8 +4729,8 @@
         </p:blipFill>
         <p:spPr>
           <a:xfrm>
-            <a:off x="6263640" y="1578816"/>
-            <a:ext cx="5641848" cy="4584240"/>
+            <a:off x="5371306" y="1008058"/>
+            <a:ext cx="6625622" cy="5383598"/>
           </a:xfrm>
           <a:prstGeom prst="rect">
             <a:avLst/>
@@ -6258,8 +6263,8 @@
         </p:blipFill>
         <p:spPr>
           <a:xfrm>
-            <a:off x="8506968" y="1512527"/>
-            <a:ext cx="3489960" cy="4231359"/>
+            <a:off x="8119872" y="1167719"/>
+            <a:ext cx="3922776" cy="4756121"/>
           </a:xfrm>
           <a:prstGeom prst="rect">
             <a:avLst/>
@@ -6288,7 +6293,7 @@
         </p:blipFill>
         <p:spPr>
           <a:xfrm>
-            <a:off x="4862958" y="1515408"/>
+            <a:off x="4652646" y="1512527"/>
             <a:ext cx="3375786" cy="4168507"/>
           </a:xfrm>
           <a:prstGeom prst="rect">
